--- a/ai/blog/20251031_concept_map_ai_planning_files/conceptmap2ppt.pptx
+++ b/ai/blog/20251031_concept_map_ai_planning_files/conceptmap2ppt.pptx
@@ -3944,35 +3944,6 @@
       </p:sp>
       <p:pic>
         <p:nvPicPr>
-          <p:cNvPr id="4" name="内容占位符 3"/>
-          <p:cNvPicPr>
-            <a:picLocks noChangeAspect="1"/>
-          </p:cNvPicPr>
-          <p:nvPr>
-            <p:ph idx="1"/>
-            <p:custDataLst>
-              <p:tags r:id="rId2"/>
-            </p:custDataLst>
-          </p:nvPr>
-        </p:nvPicPr>
-        <p:blipFill>
-          <a:blip r:embed="rId3"/>
-          <a:stretch>
-            <a:fillRect/>
-          </a:stretch>
-        </p:blipFill>
-        <p:spPr>
-          <a:xfrm>
-            <a:off x="5306060" y="397510"/>
-            <a:ext cx="5281930" cy="6062345"/>
-          </a:xfrm>
-          <a:prstGeom prst="rect">
-            <a:avLst/>
-          </a:prstGeom>
-        </p:spPr>
-      </p:pic>
-      <p:pic>
-        <p:nvPicPr>
           <p:cNvPr id="6" name="图片 5"/>
           <p:cNvPicPr>
             <a:picLocks noChangeAspect="1"/>
@@ -3980,7 +3951,7 @@
           <p:nvPr/>
         </p:nvPicPr>
         <p:blipFill>
-          <a:blip r:embed="rId4"/>
+          <a:blip r:embed="rId2"/>
           <a:stretch>
             <a:fillRect/>
           </a:stretch>
@@ -3995,9 +3966,28 @@
           </a:prstGeom>
         </p:spPr>
       </p:pic>
+      <p:sp>
+        <p:nvSpPr>
+          <p:cNvPr id="3" name="内容占位符 2"/>
+          <p:cNvSpPr/>
+          <p:nvPr>
+            <p:ph idx="1"/>
+            <p:custDataLst>
+              <p:tags r:id="rId3"/>
+            </p:custDataLst>
+          </p:nvPr>
+        </p:nvSpPr>
+        <p:spPr/>
+        <p:txBody>
+          <a:bodyPr/>
+          <a:p>
+            <a:endParaRPr lang="zh-CN" altLang="en-US"/>
+          </a:p>
+        </p:txBody>
+      </p:sp>
     </p:spTree>
     <p:custDataLst>
-      <p:tags r:id="rId5"/>
+      <p:tags r:id="rId4"/>
     </p:custDataLst>
   </p:cSld>
   <p:clrMapOvr>
